--- a/Presentation/CSS Class 05.pptx
+++ b/Presentation/CSS Class 05.pptx
@@ -5,7 +5,7 @@
     <p:sldMasterId id="2147483775" r:id="rId4"/>
   </p:sldMasterIdLst>
   <p:notesMasterIdLst>
-    <p:notesMasterId r:id="rId12"/>
+    <p:notesMasterId r:id="rId13"/>
   </p:notesMasterIdLst>
   <p:sldIdLst>
     <p:sldId id="256" r:id="rId5"/>
@@ -15,6 +15,7 @@
     <p:sldId id="270" r:id="rId9"/>
     <p:sldId id="266" r:id="rId10"/>
     <p:sldId id="267" r:id="rId11"/>
+    <p:sldId id="271" r:id="rId12"/>
   </p:sldIdLst>
   <p:sldSz cx="12192000" cy="6858000"/>
   <p:notesSz cx="6858000" cy="9144000"/>
@@ -203,7 +204,7 @@
           <a:p>
             <a:fld id="{EDE0A0D5-8F98-4CC1-A28E-021F0B6B475C}" type="datetimeFigureOut">
               <a:rPr lang="en-US" smtClean="0"/>
-              <a:t>6/25/2022</a:t>
+              <a:t>6/26/2022</a:t>
             </a:fld>
             <a:endParaRPr lang="en-US" dirty="0"/>
           </a:p>
@@ -658,7 +659,7 @@
           <a:p>
             <a:fld id="{3A750590-9F9A-443B-9295-A3931D8194B1}" type="datetime1">
               <a:rPr lang="en-US" smtClean="0"/>
-              <a:t>6/25/2022</a:t>
+              <a:t>6/26/2022</a:t>
             </a:fld>
             <a:endParaRPr lang="en-US" dirty="0"/>
           </a:p>
@@ -996,7 +997,7 @@
           <a:p>
             <a:fld id="{D9359126-4846-4E88-BDD9-5585CC877E47}" type="datetime1">
               <a:rPr lang="en-US" smtClean="0"/>
-              <a:t>6/25/2022</a:t>
+              <a:t>6/26/2022</a:t>
             </a:fld>
             <a:endParaRPr lang="en-US" dirty="0"/>
           </a:p>
@@ -1399,7 +1400,7 @@
           <a:p>
             <a:fld id="{D9359126-4846-4E88-BDD9-5585CC877E47}" type="datetime1">
               <a:rPr lang="en-US" smtClean="0"/>
-              <a:t>6/25/2022</a:t>
+              <a:t>6/26/2022</a:t>
             </a:fld>
             <a:endParaRPr lang="en-US" dirty="0"/>
           </a:p>
@@ -1737,7 +1738,7 @@
           <a:p>
             <a:fld id="{D9359126-4846-4E88-BDD9-5585CC877E47}" type="datetime1">
               <a:rPr lang="en-US" smtClean="0"/>
-              <a:t>6/25/2022</a:t>
+              <a:t>6/26/2022</a:t>
             </a:fld>
             <a:endParaRPr lang="en-US" dirty="0"/>
           </a:p>
@@ -2059,7 +2060,7 @@
           <a:p>
             <a:fld id="{D9359126-4846-4E88-BDD9-5585CC877E47}" type="datetime1">
               <a:rPr lang="en-US" smtClean="0"/>
-              <a:t>6/25/2022</a:t>
+              <a:t>6/26/2022</a:t>
             </a:fld>
             <a:endParaRPr lang="en-US" dirty="0"/>
           </a:p>
@@ -2457,7 +2458,7 @@
           <a:p>
             <a:fld id="{D9359126-4846-4E88-BDD9-5585CC877E47}" type="datetime1">
               <a:rPr lang="en-US" smtClean="0"/>
-              <a:t>6/25/2022</a:t>
+              <a:t>6/26/2022</a:t>
             </a:fld>
             <a:endParaRPr lang="en-US" dirty="0"/>
           </a:p>
@@ -2716,7 +2717,7 @@
           <a:p>
             <a:fld id="{1F96F347-1B2F-4097-AEB5-4A26FB45D67A}" type="datetime1">
               <a:rPr lang="en-US" smtClean="0"/>
-              <a:t>6/25/2022</a:t>
+              <a:t>6/26/2022</a:t>
             </a:fld>
             <a:endParaRPr lang="en-US" dirty="0"/>
           </a:p>
@@ -2978,7 +2979,7 @@
           <a:p>
             <a:fld id="{8CC1DEE0-34E5-4E0F-BEC1-4B8835F82CD1}" type="datetime1">
               <a:rPr lang="en-US" smtClean="0"/>
-              <a:t>6/25/2022</a:t>
+              <a:t>6/26/2022</a:t>
             </a:fld>
             <a:endParaRPr lang="en-US" dirty="0"/>
           </a:p>
@@ -3240,7 +3241,7 @@
           <a:p>
             <a:fld id="{3B75B4BE-627A-4EC1-99E1-6F1AA97AB802}" type="datetime1">
               <a:rPr lang="en-US" smtClean="0"/>
-              <a:t>6/25/2022</a:t>
+              <a:t>6/26/2022</a:t>
             </a:fld>
             <a:endParaRPr lang="en-US" dirty="0"/>
           </a:p>
@@ -3569,7 +3570,7 @@
           <a:p>
             <a:fld id="{78BFACF8-E63D-4673-A128-83547867BB7A}" type="datetime1">
               <a:rPr lang="en-US" smtClean="0"/>
-              <a:t>6/25/2022</a:t>
+              <a:t>6/26/2022</a:t>
             </a:fld>
             <a:endParaRPr lang="en-US" dirty="0"/>
           </a:p>
@@ -3892,7 +3893,7 @@
           <a:p>
             <a:fld id="{15BED6AC-4FBA-40BD-BE75-20DB64DA4BAD}" type="datetime1">
               <a:rPr lang="en-US" smtClean="0"/>
-              <a:t>6/25/2022</a:t>
+              <a:t>6/26/2022</a:t>
             </a:fld>
             <a:endParaRPr lang="en-US" dirty="0"/>
           </a:p>
@@ -4349,7 +4350,7 @@
           <a:p>
             <a:fld id="{3F933C87-D201-458A-93C0-8EDD9AC92D93}" type="datetime1">
               <a:rPr lang="en-US" smtClean="0"/>
-              <a:t>6/25/2022</a:t>
+              <a:t>6/26/2022</a:t>
             </a:fld>
             <a:endParaRPr lang="en-US" dirty="0"/>
           </a:p>
@@ -4554,7 +4555,7 @@
           <a:p>
             <a:fld id="{76CE6829-5A25-485A-91B1-5D6D58BB9F23}" type="datetime1">
               <a:rPr lang="en-US" smtClean="0"/>
-              <a:t>6/25/2022</a:t>
+              <a:t>6/26/2022</a:t>
             </a:fld>
             <a:endParaRPr lang="en-US" dirty="0"/>
           </a:p>
@@ -4731,7 +4732,7 @@
           <a:p>
             <a:fld id="{9912F5CD-23D0-4DD1-85B1-71F1825FB3EC}" type="datetime1">
               <a:rPr lang="en-US" smtClean="0"/>
-              <a:t>6/25/2022</a:t>
+              <a:t>6/26/2022</a:t>
             </a:fld>
             <a:endParaRPr lang="en-US" dirty="0"/>
           </a:p>
@@ -5064,7 +5065,7 @@
           <a:p>
             <a:fld id="{38BA5035-C284-496A-B076-BA73A8FA5D8B}" type="datetime1">
               <a:rPr lang="en-US" smtClean="0"/>
-              <a:t>6/25/2022</a:t>
+              <a:t>6/26/2022</a:t>
             </a:fld>
             <a:endParaRPr lang="en-US" dirty="0"/>
           </a:p>
@@ -5409,7 +5410,7 @@
           <a:p>
             <a:fld id="{B40EB420-1875-490A-8C4B-7AAB939FBE08}" type="datetime1">
               <a:rPr lang="en-US" smtClean="0"/>
-              <a:t>6/25/2022</a:t>
+              <a:t>6/26/2022</a:t>
             </a:fld>
             <a:endParaRPr lang="en-US" dirty="0"/>
           </a:p>
@@ -7526,7 +7527,7 @@
           <a:p>
             <a:fld id="{D9359126-4846-4E88-BDD9-5585CC877E47}" type="datetime1">
               <a:rPr lang="en-US" smtClean="0"/>
-              <a:t>6/25/2022</a:t>
+              <a:t>6/26/2022</a:t>
             </a:fld>
             <a:endParaRPr lang="en-US" dirty="0"/>
           </a:p>
@@ -8173,13 +8174,13 @@
   <p:clrMapOvr>
     <a:overrideClrMapping bg1="lt1" tx1="dk1" bg2="lt2" tx2="dk2" accent1="accent1" accent2="accent2" accent3="accent3" accent4="accent4" accent5="accent5" accent6="accent6" hlink="hlink" folHlink="folHlink"/>
   </p:clrMapOvr>
-  <mc:AlternateContent xmlns:mc="http://schemas.openxmlformats.org/markup-compatibility/2006">
-    <mc:Choice xmlns:p14="http://schemas.microsoft.com/office/powerpoint/2010/main" Requires="p14">
+  <mc:AlternateContent xmlns:mc="http://schemas.openxmlformats.org/markup-compatibility/2006" xmlns:p14="http://schemas.microsoft.com/office/powerpoint/2010/main">
+    <mc:Choice Requires="p14">
       <p:transition spd="slow" p14:dur="1500">
         <p:split orient="vert"/>
       </p:transition>
     </mc:Choice>
-    <mc:Fallback>
+    <mc:Fallback xmlns="">
       <p:transition spd="slow">
         <p:split orient="vert"/>
       </p:transition>
@@ -8221,7 +8222,12 @@
             <p:ph type="title"/>
           </p:nvPr>
         </p:nvSpPr>
-        <p:spPr/>
+        <p:spPr>
+          <a:xfrm>
+            <a:off x="2224640" y="282866"/>
+            <a:ext cx="8911687" cy="1280890"/>
+          </a:xfrm>
+        </p:spPr>
         <p:txBody>
           <a:bodyPr/>
           <a:lstStyle/>
@@ -8253,10 +8259,15 @@
             <p:ph idx="1"/>
           </p:nvPr>
         </p:nvSpPr>
-        <p:spPr/>
+        <p:spPr>
+          <a:xfrm>
+            <a:off x="2224640" y="1563756"/>
+            <a:ext cx="9967360" cy="5115339"/>
+          </a:xfrm>
+        </p:spPr>
         <p:txBody>
           <a:bodyPr>
-            <a:normAutofit fontScale="92500" lnSpcReduction="20000"/>
+            <a:normAutofit fontScale="92500" lnSpcReduction="10000"/>
           </a:bodyPr>
           <a:lstStyle/>
           <a:p>
@@ -8270,8 +8281,28 @@
                   <a:schemeClr val="tx1"/>
                 </a:solidFill>
               </a:rPr>
-              <a:t>The flexbox or flexible box model in CSS is a one-dimensional layout model that has flexible and efficient layouts with distributed spaces among items to control their alignment structure </a:t>
-            </a:r>
+              <a:t>The flexbox or flexible box model in CSS is a one-dimensional layout model</a:t>
+            </a:r>
+          </a:p>
+          <a:p>
+            <a:pPr>
+              <a:buFont typeface="Wingdings" panose="05000000000000000000" pitchFamily="2" charset="2"/>
+              <a:buChar char="Ø"/>
+            </a:pPr>
+            <a:r>
+              <a:rPr lang="en-US" sz="2800" dirty="0">
+                <a:solidFill>
+                  <a:schemeClr val="tx1"/>
+                </a:solidFill>
+              </a:rPr>
+              <a:t> IT has flexible and efficient layouts with distributed spaces among items to control their alignment structure </a:t>
+            </a:r>
+          </a:p>
+          <a:p>
+            <a:pPr>
+              <a:buFont typeface="Wingdings" panose="05000000000000000000" pitchFamily="2" charset="2"/>
+              <a:buChar char="Ø"/>
+            </a:pPr>
             <a:r>
               <a:rPr lang="en-US" sz="2800" dirty="0" err="1">
                 <a:solidFill>
@@ -8286,7 +8317,7 @@
                   <a:schemeClr val="tx1"/>
                 </a:solidFill>
               </a:rPr>
-              <a:t>., it is a layout model that provides an easy and clean way to arrange items within a container. Flexbox can be useful for creating small-scales layouts &amp; is responsive and mobile-friendly.</a:t>
+              <a:t>., it is a layout model that provides an easy and clean way to arrange items within a container. </a:t>
             </a:r>
           </a:p>
           <a:p>
@@ -8300,7 +8331,7 @@
                   <a:schemeClr val="tx1"/>
                 </a:solidFill>
               </a:rPr>
-              <a:t>Flex Container</a:t>
+              <a:t>Flexbox can be useful for creating small-scales layouts &amp; is responsive and mobile-friendly.</a:t>
             </a:r>
           </a:p>
           <a:p>
@@ -8311,10 +8342,10 @@
             <a:r>
               <a:rPr lang="en-US" sz="2800" dirty="0">
                 <a:solidFill>
-                  <a:schemeClr val="tx1"/>
+                  <a:srgbClr val="FF0000"/>
                 </a:solidFill>
               </a:rPr>
-              <a:t>Flex Items</a:t>
+              <a:t>Flex Container</a:t>
             </a:r>
           </a:p>
           <a:p>
@@ -8325,7 +8356,21 @@
             <a:r>
               <a:rPr lang="en-US" sz="2800" dirty="0">
                 <a:solidFill>
-                  <a:schemeClr val="tx1"/>
+                  <a:srgbClr val="FF0000"/>
+                </a:solidFill>
+              </a:rPr>
+              <a:t>Flex Items</a:t>
+            </a:r>
+          </a:p>
+          <a:p>
+            <a:pPr>
+              <a:buFont typeface="Wingdings" panose="05000000000000000000" pitchFamily="2" charset="2"/>
+              <a:buChar char="Ø"/>
+            </a:pPr>
+            <a:r>
+              <a:rPr lang="en-US" sz="2800" dirty="0">
+                <a:solidFill>
+                  <a:srgbClr val="FF0000"/>
                 </a:solidFill>
               </a:rPr>
               <a:t>Flex Direction </a:t>
@@ -8433,8 +8478,8 @@
         </p:blipFill>
         <p:spPr>
           <a:xfrm>
-            <a:off x="2217738" y="1905000"/>
-            <a:ext cx="5391150" cy="2143125"/>
+            <a:off x="1327466" y="1264555"/>
+            <a:ext cx="3222152" cy="1280891"/>
           </a:xfrm>
         </p:spPr>
       </p:pic>
@@ -8466,8 +8511,8 @@
         </p:blipFill>
         <p:spPr>
           <a:xfrm>
-            <a:off x="2217738" y="4257452"/>
-            <a:ext cx="5391150" cy="2143125"/>
+            <a:off x="4549618" y="1203893"/>
+            <a:ext cx="3072256" cy="1221303"/>
           </a:xfrm>
           <a:prstGeom prst="rect">
             <a:avLst/>
@@ -8502,8 +8547,8 @@
         </p:blipFill>
         <p:spPr>
           <a:xfrm>
-            <a:off x="7524750" y="3271615"/>
-            <a:ext cx="4667250" cy="2143125"/>
+            <a:off x="2592925" y="2876137"/>
+            <a:ext cx="8313472" cy="3817411"/>
           </a:xfrm>
           <a:prstGeom prst="rect">
             <a:avLst/>
@@ -8520,13 +8565,13 @@
   <p:clrMapOvr>
     <a:masterClrMapping/>
   </p:clrMapOvr>
-  <mc:AlternateContent xmlns:mc="http://schemas.openxmlformats.org/markup-compatibility/2006">
-    <mc:Choice xmlns:p14="http://schemas.microsoft.com/office/powerpoint/2010/main" Requires="p14">
+  <mc:AlternateContent xmlns:mc="http://schemas.openxmlformats.org/markup-compatibility/2006" xmlns:p14="http://schemas.microsoft.com/office/powerpoint/2010/main">
+    <mc:Choice Requires="p14">
       <p:transition p14:dur="100">
         <p:cut/>
       </p:transition>
     </mc:Choice>
-    <mc:Fallback>
+    <mc:Fallback xmlns="">
       <p:transition>
         <p:cut/>
       </p:transition>
@@ -8653,39 +8698,6 @@
           <a:chExt cx="0" cy="0"/>
         </a:xfrm>
       </p:grpSpPr>
-      <p:sp>
-        <p:nvSpPr>
-          <p:cNvPr id="2" name="Title 1">
-            <a:extLst>
-              <a:ext uri="{FF2B5EF4-FFF2-40B4-BE49-F238E27FC236}">
-                <a16:creationId xmlns:a16="http://schemas.microsoft.com/office/drawing/2014/main" id="{05FA3ACB-7075-4326-588E-DBDDD2EC3CCF}"/>
-              </a:ext>
-            </a:extLst>
-          </p:cNvPr>
-          <p:cNvSpPr>
-            <a:spLocks noGrp="1"/>
-          </p:cNvSpPr>
-          <p:nvPr>
-            <p:ph type="title"/>
-          </p:nvPr>
-        </p:nvSpPr>
-        <p:spPr>
-          <a:xfrm>
-            <a:off x="2765349" y="3269973"/>
-            <a:ext cx="3966756" cy="1280890"/>
-          </a:xfrm>
-        </p:spPr>
-        <p:txBody>
-          <a:bodyPr/>
-          <a:lstStyle/>
-          <a:p>
-            <a:r>
-              <a:rPr lang="en-US" dirty="0"/>
-              <a:t>Align-Content</a:t>
-            </a:r>
-          </a:p>
-        </p:txBody>
-      </p:sp>
       <p:pic>
         <p:nvPicPr>
           <p:cNvPr id="4" name="Graphic 3">
@@ -8714,7 +8726,7 @@
         </p:blipFill>
         <p:spPr>
           <a:xfrm>
-            <a:off x="7009158" y="284076"/>
+            <a:off x="4358723" y="276225"/>
             <a:ext cx="4667250" cy="6305550"/>
           </a:xfrm>
           <a:prstGeom prst="rect">
@@ -8732,13 +8744,13 @@
   <p:clrMapOvr>
     <a:masterClrMapping/>
   </p:clrMapOvr>
-  <mc:AlternateContent xmlns:mc="http://schemas.openxmlformats.org/markup-compatibility/2006">
-    <mc:Choice xmlns:p159="http://schemas.microsoft.com/office/powerpoint/2015/09/main" Requires="p159">
+  <mc:AlternateContent xmlns:mc="http://schemas.openxmlformats.org/markup-compatibility/2006" xmlns:p159="http://schemas.microsoft.com/office/powerpoint/2015/09/main">
+    <mc:Choice Requires="p159">
       <p:transition xmlns:p14="http://schemas.microsoft.com/office/powerpoint/2010/main" spd="slow" p14:dur="2000">
         <p159:morph option="byObject"/>
       </p:transition>
     </mc:Choice>
-    <mc:Fallback>
+    <mc:Fallback xmlns="">
       <p:transition spd="slow">
         <p:fade/>
       </p:transition>
@@ -8946,13 +8958,13 @@
   <p:clrMapOvr>
     <a:masterClrMapping/>
   </p:clrMapOvr>
-  <mc:AlternateContent xmlns:mc="http://schemas.openxmlformats.org/markup-compatibility/2006">
-    <mc:Choice xmlns:p14="http://schemas.microsoft.com/office/powerpoint/2010/main" Requires="p14">
+  <mc:AlternateContent xmlns:mc="http://schemas.openxmlformats.org/markup-compatibility/2006" xmlns:p14="http://schemas.microsoft.com/office/powerpoint/2010/main">
+    <mc:Choice Requires="p14">
       <p:transition spd="med" p14:dur="700">
         <p:fade/>
       </p:transition>
     </mc:Choice>
-    <mc:Fallback>
+    <mc:Fallback xmlns="">
       <p:transition spd="med">
         <p:fade/>
       </p:transition>
@@ -9125,18 +9137,229 @@
   <p:clrMapOvr>
     <a:masterClrMapping/>
   </p:clrMapOvr>
-  <mc:AlternateContent xmlns:mc="http://schemas.openxmlformats.org/markup-compatibility/2006">
-    <mc:Choice xmlns:p14="http://schemas.microsoft.com/office/powerpoint/2010/main" Requires="p14">
+  <mc:AlternateContent xmlns:mc="http://schemas.openxmlformats.org/markup-compatibility/2006" xmlns:p14="http://schemas.microsoft.com/office/powerpoint/2010/main">
+    <mc:Choice Requires="p14">
       <p:transition spd="slow" p14:dur="800">
         <p:circle/>
       </p:transition>
     </mc:Choice>
-    <mc:Fallback>
+    <mc:Fallback xmlns="">
       <p:transition spd="slow">
         <p:circle/>
       </p:transition>
     </mc:Fallback>
   </mc:AlternateContent>
+</p:sld>
+</file>
+
+<file path=ppt/slides/slide8.xml><?xml version="1.0" encoding="utf-8"?>
+<p:sld xmlns:a="http://schemas.openxmlformats.org/drawingml/2006/main" xmlns:r="http://schemas.openxmlformats.org/officeDocument/2006/relationships" xmlns:p="http://schemas.openxmlformats.org/presentationml/2006/main">
+  <p:cSld>
+    <p:spTree>
+      <p:nvGrpSpPr>
+        <p:cNvPr id="1" name=""/>
+        <p:cNvGrpSpPr/>
+        <p:nvPr/>
+      </p:nvGrpSpPr>
+      <p:grpSpPr>
+        <a:xfrm>
+          <a:off x="0" y="0"/>
+          <a:ext cx="0" cy="0"/>
+          <a:chOff x="0" y="0"/>
+          <a:chExt cx="0" cy="0"/>
+        </a:xfrm>
+      </p:grpSpPr>
+      <p:sp>
+        <p:nvSpPr>
+          <p:cNvPr id="2" name="Title 1">
+            <a:extLst>
+              <a:ext uri="{FF2B5EF4-FFF2-40B4-BE49-F238E27FC236}">
+                <a16:creationId xmlns:a16="http://schemas.microsoft.com/office/drawing/2014/main" id="{15ABED9B-B36D-918E-C58E-245F70259875}"/>
+              </a:ext>
+            </a:extLst>
+          </p:cNvPr>
+          <p:cNvSpPr>
+            <a:spLocks noGrp="1"/>
+          </p:cNvSpPr>
+          <p:nvPr>
+            <p:ph type="title"/>
+          </p:nvPr>
+        </p:nvSpPr>
+        <p:spPr/>
+        <p:txBody>
+          <a:bodyPr/>
+          <a:lstStyle/>
+          <a:p>
+            <a:r>
+              <a:rPr lang="en-US" dirty="0"/>
+              <a:t>Media </a:t>
+            </a:r>
+            <a:r>
+              <a:rPr lang="en-US" dirty="0" err="1"/>
+              <a:t>Quries</a:t>
+            </a:r>
+            <a:endParaRPr lang="en-US" dirty="0"/>
+          </a:p>
+        </p:txBody>
+      </p:sp>
+      <p:sp>
+        <p:nvSpPr>
+          <p:cNvPr id="3" name="Content Placeholder 2">
+            <a:extLst>
+              <a:ext uri="{FF2B5EF4-FFF2-40B4-BE49-F238E27FC236}">
+                <a16:creationId xmlns:a16="http://schemas.microsoft.com/office/drawing/2014/main" id="{39689719-C747-7F5D-0A59-39040E03CBB1}"/>
+              </a:ext>
+            </a:extLst>
+          </p:cNvPr>
+          <p:cNvSpPr>
+            <a:spLocks noGrp="1"/>
+          </p:cNvSpPr>
+          <p:nvPr>
+            <p:ph idx="1"/>
+          </p:nvPr>
+        </p:nvSpPr>
+        <p:spPr/>
+        <p:txBody>
+          <a:bodyPr/>
+          <a:lstStyle/>
+          <a:p>
+            <a:r>
+              <a:rPr lang="en-US" b="0" dirty="0">
+                <a:solidFill>
+                  <a:srgbClr val="0000FF"/>
+                </a:solidFill>
+                <a:effectLst/>
+                <a:latin typeface="Consolas" panose="020B0609020204030204" pitchFamily="49" charset="0"/>
+              </a:rPr>
+              <a:t>@media</a:t>
+            </a:r>
+            <a:r>
+              <a:rPr lang="en-US" b="0" dirty="0">
+                <a:solidFill>
+                  <a:srgbClr val="000000"/>
+                </a:solidFill>
+                <a:effectLst/>
+                <a:latin typeface="Consolas" panose="020B0609020204030204" pitchFamily="49" charset="0"/>
+              </a:rPr>
+              <a:t> (</a:t>
+            </a:r>
+            <a:r>
+              <a:rPr lang="en-US" b="0" dirty="0">
+                <a:solidFill>
+                  <a:srgbClr val="FF0000"/>
+                </a:solidFill>
+                <a:effectLst/>
+                <a:latin typeface="Consolas" panose="020B0609020204030204" pitchFamily="49" charset="0"/>
+              </a:rPr>
+              <a:t>min-width</a:t>
+            </a:r>
+            <a:r>
+              <a:rPr lang="en-US" b="0" dirty="0">
+                <a:solidFill>
+                  <a:srgbClr val="000000"/>
+                </a:solidFill>
+                <a:effectLst/>
+                <a:latin typeface="Consolas" panose="020B0609020204030204" pitchFamily="49" charset="0"/>
+              </a:rPr>
+              <a:t>:</a:t>
+            </a:r>
+            <a:r>
+              <a:rPr lang="en-US" b="0" dirty="0">
+                <a:solidFill>
+                  <a:srgbClr val="098658"/>
+                </a:solidFill>
+                <a:effectLst/>
+                <a:latin typeface="Consolas" panose="020B0609020204030204" pitchFamily="49" charset="0"/>
+              </a:rPr>
+              <a:t>0px</a:t>
+            </a:r>
+            <a:r>
+              <a:rPr lang="en-US" b="0" dirty="0">
+                <a:solidFill>
+                  <a:srgbClr val="000000"/>
+                </a:solidFill>
+                <a:effectLst/>
+                <a:latin typeface="Consolas" panose="020B0609020204030204" pitchFamily="49" charset="0"/>
+              </a:rPr>
+              <a:t>) and (</a:t>
+            </a:r>
+            <a:r>
+              <a:rPr lang="en-US" b="0" dirty="0">
+                <a:solidFill>
+                  <a:srgbClr val="FF0000"/>
+                </a:solidFill>
+                <a:effectLst/>
+                <a:latin typeface="Consolas" panose="020B0609020204030204" pitchFamily="49" charset="0"/>
+              </a:rPr>
+              <a:t>max-width</a:t>
+            </a:r>
+            <a:r>
+              <a:rPr lang="en-US" b="0" dirty="0">
+                <a:solidFill>
+                  <a:srgbClr val="000000"/>
+                </a:solidFill>
+                <a:effectLst/>
+                <a:latin typeface="Consolas" panose="020B0609020204030204" pitchFamily="49" charset="0"/>
+              </a:rPr>
+              <a:t>:</a:t>
+            </a:r>
+            <a:r>
+              <a:rPr lang="en-US" b="0" dirty="0">
+                <a:solidFill>
+                  <a:srgbClr val="098658"/>
+                </a:solidFill>
+                <a:effectLst/>
+                <a:latin typeface="Consolas" panose="020B0609020204030204" pitchFamily="49" charset="0"/>
+              </a:rPr>
+              <a:t>414px</a:t>
+            </a:r>
+            <a:r>
+              <a:rPr lang="en-US" b="0" dirty="0">
+                <a:solidFill>
+                  <a:srgbClr val="000000"/>
+                </a:solidFill>
+                <a:effectLst/>
+                <a:latin typeface="Consolas" panose="020B0609020204030204" pitchFamily="49" charset="0"/>
+              </a:rPr>
+              <a:t>) { </a:t>
+            </a:r>
+          </a:p>
+          <a:p>
+            <a:endParaRPr lang="en-US" b="0" dirty="0">
+              <a:solidFill>
+                <a:srgbClr val="000000"/>
+              </a:solidFill>
+              <a:effectLst/>
+              <a:latin typeface="Consolas" panose="020B0609020204030204" pitchFamily="49" charset="0"/>
+            </a:endParaRPr>
+          </a:p>
+          <a:p>
+            <a:pPr marL="0" indent="0">
+              <a:buNone/>
+            </a:pPr>
+            <a:r>
+              <a:rPr lang="en-US" b="0" dirty="0">
+                <a:solidFill>
+                  <a:srgbClr val="000000"/>
+                </a:solidFill>
+                <a:effectLst/>
+                <a:latin typeface="Consolas" panose="020B0609020204030204" pitchFamily="49" charset="0"/>
+              </a:rPr>
+              <a:t>}</a:t>
+            </a:r>
+          </a:p>
+        </p:txBody>
+      </p:sp>
+    </p:spTree>
+    <p:extLst>
+      <p:ext uri="{BB962C8B-B14F-4D97-AF65-F5344CB8AC3E}">
+        <p14:creationId xmlns:p14="http://schemas.microsoft.com/office/powerpoint/2010/main" val="600865074"/>
+      </p:ext>
+    </p:extLst>
+  </p:cSld>
+  <p:clrMapOvr>
+    <a:masterClrMapping/>
+  </p:clrMapOvr>
 </p:sld>
 </file>
 
@@ -9619,6 +9842,15 @@
 </file>
 
 <file path=customXml/item1.xml><?xml version="1.0" encoding="utf-8"?>
+<?mso-contentType ?>
+<FormTemplates xmlns="http://schemas.microsoft.com/sharepoint/v3/contenttype/forms">
+  <Display>DocumentLibraryForm</Display>
+  <Edit>DocumentLibraryForm</Edit>
+  <New>DocumentLibraryForm</New>
+</FormTemplates>
+</file>
+
+<file path=customXml/item2.xml><?xml version="1.0" encoding="utf-8"?>
 <ct:contentTypeSchema xmlns:ct="http://schemas.microsoft.com/office/2006/metadata/contentType" xmlns:ma="http://schemas.microsoft.com/office/2006/metadata/properties/metaAttributes" ct:_="" ma:_="" ma:contentTypeName="Document" ma:contentTypeID="0x01010079F111ED35F8CC479449609E8A0923A6" ma:contentTypeVersion="11" ma:contentTypeDescription="Create a new document." ma:contentTypeScope="" ma:versionID="9677210f24a1be23c92c90fd886aa0aa">
   <xsd:schema xmlns:xsd="http://www.w3.org/2001/XMLSchema" xmlns:xs="http://www.w3.org/2001/XMLSchema" xmlns:p="http://schemas.microsoft.com/office/2006/metadata/properties" xmlns:ns2="71af3243-3dd4-4a8d-8c0d-dd76da1f02a5" xmlns:ns3="16c05727-aa75-4e4a-9b5f-8a80a1165891" targetNamespace="http://schemas.microsoft.com/office/2006/metadata/properties" ma:root="true" ma:fieldsID="60e05723c5c1908df1a1a4ebf11d344e" ns2:_="" ns3:_="">
     <xsd:import namespace="71af3243-3dd4-4a8d-8c0d-dd76da1f02a5"/>
@@ -9829,7 +10061,7 @@
 </ct:contentTypeSchema>
 </file>
 
-<file path=customXml/item2.xml><?xml version="1.0" encoding="utf-8"?>
+<file path=customXml/item3.xml><?xml version="1.0" encoding="utf-8"?>
 <p:properties xmlns:p="http://schemas.microsoft.com/office/2006/metadata/properties" xmlns:xsi="http://www.w3.org/2001/XMLSchema-instance" xmlns:pc="http://schemas.microsoft.com/office/infopath/2007/PartnerControls">
   <documentManagement>
     <MediaServiceKeyPoints xmlns="71af3243-3dd4-4a8d-8c0d-dd76da1f02a5" xsi:nil="true"/>
@@ -9837,16 +10069,15 @@
 </p:properties>
 </file>
 
-<file path=customXml/item3.xml><?xml version="1.0" encoding="utf-8"?>
-<?mso-contentType ?>
-<FormTemplates xmlns="http://schemas.microsoft.com/sharepoint/v3/contenttype/forms">
-  <Display>DocumentLibraryForm</Display>
-  <Edit>DocumentLibraryForm</Edit>
-  <New>DocumentLibraryForm</New>
-</FormTemplates>
+<file path=customXml/itemProps1.xml><?xml version="1.0" encoding="utf-8"?>
+<ds:datastoreItem xmlns:ds="http://schemas.openxmlformats.org/officeDocument/2006/customXml" ds:itemID="{10BEB954-4024-4CCF-A9D6-4C00FDC028D9}">
+  <ds:schemaRefs>
+    <ds:schemaRef ds:uri="http://schemas.microsoft.com/sharepoint/v3/contenttype/forms"/>
+  </ds:schemaRefs>
+</ds:datastoreItem>
 </file>
 
-<file path=customXml/itemProps1.xml><?xml version="1.0" encoding="utf-8"?>
+<file path=customXml/itemProps2.xml><?xml version="1.0" encoding="utf-8"?>
 <ds:datastoreItem xmlns:ds="http://schemas.openxmlformats.org/officeDocument/2006/customXml" ds:itemID="{AB96CC85-5758-41C0-8EFD-737AFB69121D}">
   <ds:schemaRefs>
     <ds:schemaRef ds:uri="http://schemas.microsoft.com/office/2006/metadata/contentType"/>
@@ -9865,7 +10096,7 @@
 </ds:datastoreItem>
 </file>
 
-<file path=customXml/itemProps2.xml><?xml version="1.0" encoding="utf-8"?>
+<file path=customXml/itemProps3.xml><?xml version="1.0" encoding="utf-8"?>
 <ds:datastoreItem xmlns:ds="http://schemas.openxmlformats.org/officeDocument/2006/customXml" ds:itemID="{4710EE66-8707-456F-8F2E-091D581CB030}">
   <ds:schemaRefs>
     <ds:schemaRef ds:uri="http://schemas.microsoft.com/office/2006/metadata/properties"/>
@@ -9873,12 +10104,4 @@
     <ds:schemaRef ds:uri="71af3243-3dd4-4a8d-8c0d-dd76da1f02a5"/>
   </ds:schemaRefs>
 </ds:datastoreItem>
-</file>
-
-<file path=customXml/itemProps3.xml><?xml version="1.0" encoding="utf-8"?>
-<ds:datastoreItem xmlns:ds="http://schemas.openxmlformats.org/officeDocument/2006/customXml" ds:itemID="{10BEB954-4024-4CCF-A9D6-4C00FDC028D9}">
-  <ds:schemaRefs>
-    <ds:schemaRef ds:uri="http://schemas.microsoft.com/sharepoint/v3/contenttype/forms"/>
-  </ds:schemaRefs>
-</ds:datastoreItem>
 </file>